--- a/doc/final_presentation.pptx
+++ b/doc/final_presentation.pptx
@@ -302,7 +302,7 @@
             <a:fld id="{E1F3267C-413A-4069-966D-F223F2D8B6E0}" type="datetimeFigureOut">
               <a:rPr lang="en-US" smtClean="0"/>
               <a:pPr/>
-              <a:t>11/30/2011</a:t>
+              <a:t>12/1/2011</a:t>
             </a:fld>
             <a:endParaRPr lang="en-US"/>
           </a:p>
@@ -469,7 +469,7 @@
             <a:fld id="{E1F3267C-413A-4069-966D-F223F2D8B6E0}" type="datetimeFigureOut">
               <a:rPr lang="en-US" smtClean="0"/>
               <a:pPr/>
-              <a:t>11/30/2011</a:t>
+              <a:t>12/1/2011</a:t>
             </a:fld>
             <a:endParaRPr lang="en-US"/>
           </a:p>
@@ -646,7 +646,7 @@
             <a:fld id="{E1F3267C-413A-4069-966D-F223F2D8B6E0}" type="datetimeFigureOut">
               <a:rPr lang="en-US" smtClean="0"/>
               <a:pPr/>
-              <a:t>11/30/2011</a:t>
+              <a:t>12/1/2011</a:t>
             </a:fld>
             <a:endParaRPr lang="en-US"/>
           </a:p>
@@ -813,7 +813,7 @@
             <a:fld id="{E1F3267C-413A-4069-966D-F223F2D8B6E0}" type="datetimeFigureOut">
               <a:rPr lang="en-US" smtClean="0"/>
               <a:pPr/>
-              <a:t>11/30/2011</a:t>
+              <a:t>12/1/2011</a:t>
             </a:fld>
             <a:endParaRPr lang="en-US"/>
           </a:p>
@@ -1056,7 +1056,7 @@
             <a:fld id="{E1F3267C-413A-4069-966D-F223F2D8B6E0}" type="datetimeFigureOut">
               <a:rPr lang="en-US" smtClean="0"/>
               <a:pPr/>
-              <a:t>11/30/2011</a:t>
+              <a:t>12/1/2011</a:t>
             </a:fld>
             <a:endParaRPr lang="en-US"/>
           </a:p>
@@ -1341,7 +1341,7 @@
             <a:fld id="{E1F3267C-413A-4069-966D-F223F2D8B6E0}" type="datetimeFigureOut">
               <a:rPr lang="en-US" smtClean="0"/>
               <a:pPr/>
-              <a:t>11/30/2011</a:t>
+              <a:t>12/1/2011</a:t>
             </a:fld>
             <a:endParaRPr lang="en-US"/>
           </a:p>
@@ -1760,7 +1760,7 @@
             <a:fld id="{E1F3267C-413A-4069-966D-F223F2D8B6E0}" type="datetimeFigureOut">
               <a:rPr lang="en-US" smtClean="0"/>
               <a:pPr/>
-              <a:t>11/30/2011</a:t>
+              <a:t>12/1/2011</a:t>
             </a:fld>
             <a:endParaRPr lang="en-US"/>
           </a:p>
@@ -1875,7 +1875,7 @@
             <a:fld id="{E1F3267C-413A-4069-966D-F223F2D8B6E0}" type="datetimeFigureOut">
               <a:rPr lang="en-US" smtClean="0"/>
               <a:pPr/>
-              <a:t>11/30/2011</a:t>
+              <a:t>12/1/2011</a:t>
             </a:fld>
             <a:endParaRPr lang="en-US"/>
           </a:p>
@@ -1967,7 +1967,7 @@
             <a:fld id="{E1F3267C-413A-4069-966D-F223F2D8B6E0}" type="datetimeFigureOut">
               <a:rPr lang="en-US" smtClean="0"/>
               <a:pPr/>
-              <a:t>11/30/2011</a:t>
+              <a:t>12/1/2011</a:t>
             </a:fld>
             <a:endParaRPr lang="en-US"/>
           </a:p>
@@ -2241,7 +2241,7 @@
             <a:fld id="{E1F3267C-413A-4069-966D-F223F2D8B6E0}" type="datetimeFigureOut">
               <a:rPr lang="en-US" smtClean="0"/>
               <a:pPr/>
-              <a:t>11/30/2011</a:t>
+              <a:t>12/1/2011</a:t>
             </a:fld>
             <a:endParaRPr lang="en-US"/>
           </a:p>
@@ -2491,7 +2491,7 @@
             <a:fld id="{E1F3267C-413A-4069-966D-F223F2D8B6E0}" type="datetimeFigureOut">
               <a:rPr lang="en-US" smtClean="0"/>
               <a:pPr/>
-              <a:t>11/30/2011</a:t>
+              <a:t>12/1/2011</a:t>
             </a:fld>
             <a:endParaRPr lang="en-US"/>
           </a:p>
@@ -2710,7 +2710,7 @@
             <a:fld id="{E1F3267C-413A-4069-966D-F223F2D8B6E0}" type="datetimeFigureOut">
               <a:rPr lang="en-US" smtClean="0"/>
               <a:pPr/>
-              <a:t>11/30/2011</a:t>
+              <a:t>12/1/2011</a:t>
             </a:fld>
             <a:endParaRPr lang="en-US"/>
           </a:p>
@@ -3240,13 +3240,8 @@
             </a:r>
             <a:r>
               <a:rPr lang="en-US" sz="2400" dirty="0" smtClean="0"/>
-              <a:t> Active Directory </a:t>
-            </a:r>
-            <a:r>
-              <a:rPr lang="en-US" sz="2400" dirty="0" smtClean="0"/>
-              <a:t>Authentication</a:t>
-            </a:r>
-            <a:endParaRPr lang="en-US" sz="2400" dirty="0" smtClean="0"/>
+              <a:t> Active Directory Authentication</a:t>
+            </a:r>
           </a:p>
           <a:p>
             <a:pPr lvl="1"/>
@@ -3393,50 +3388,29 @@
             </a:pPr>
             <a:r>
               <a:rPr lang="en-US" sz="2000" dirty="0" smtClean="0"/>
-              <a:t>	A </a:t>
-            </a:r>
-            <a:r>
-              <a:rPr lang="en-US" sz="2000" dirty="0" smtClean="0"/>
-              <a:t>prototype, working version of TARS</a:t>
+              <a:t>	A prototype, working version of TARS</a:t>
             </a:r>
             <a:br>
               <a:rPr lang="en-US" sz="2000" dirty="0" smtClean="0"/>
             </a:br>
             <a:r>
               <a:rPr lang="en-US" sz="2000" dirty="0" smtClean="0"/>
-              <a:t>	- Lacking </a:t>
-            </a:r>
-            <a:r>
-              <a:rPr lang="en-US" sz="2000" dirty="0" smtClean="0"/>
-              <a:t>in complete visual design</a:t>
+              <a:t>	- Lacking in complete visual design</a:t>
             </a:r>
             <a:br>
               <a:rPr lang="en-US" sz="2000" dirty="0" smtClean="0"/>
             </a:br>
             <a:r>
               <a:rPr lang="en-US" sz="2000" dirty="0" smtClean="0"/>
-              <a:t>	- </a:t>
-            </a:r>
-            <a:r>
-              <a:rPr lang="en-US" sz="2000" dirty="0" smtClean="0"/>
-              <a:t>Incomplete unit and security testing</a:t>
+              <a:t>	- Incomplete unit and security testing</a:t>
             </a:r>
             <a:br>
               <a:rPr lang="en-US" sz="2000" dirty="0" smtClean="0"/>
             </a:br>
             <a:r>
               <a:rPr lang="en-US" sz="2000" dirty="0" smtClean="0"/>
-              <a:t>	- No tested interface </a:t>
-            </a:r>
-            <a:r>
-              <a:rPr lang="en-US" sz="2000" dirty="0" smtClean="0"/>
-              <a:t>for </a:t>
-            </a:r>
-            <a:r>
-              <a:rPr lang="en-US" sz="2000" dirty="0" smtClean="0"/>
-              <a:t>I-Time</a:t>
-            </a:r>
-            <a:endParaRPr lang="en-US" sz="2000" dirty="0" smtClean="0"/>
+              <a:t>	- No tested interface for I-Time</a:t>
+            </a:r>
           </a:p>
           <a:p>
             <a:pPr>
@@ -3450,11 +3424,7 @@
             </a:pPr>
             <a:r>
               <a:rPr lang="en-US" sz="2000" dirty="0" smtClean="0"/>
-              <a:t>	</a:t>
-            </a:r>
-            <a:r>
-              <a:rPr lang="en-US" sz="2000" dirty="0" smtClean="0"/>
-              <a:t>Pictures will go here. Maybe the next slide as well.</a:t>
+              <a:t>	Pictures will go here. Maybe the next slide as well.</a:t>
             </a:r>
             <a:endParaRPr lang="en-US" sz="2000" dirty="0"/>
           </a:p>
@@ -3576,11 +3546,7 @@
             <a:pPr algn="l"/>
             <a:r>
               <a:rPr lang="en-US" dirty="0" smtClean="0"/>
-              <a:t> </a:t>
-            </a:r>
-            <a:r>
-              <a:rPr lang="en-US" dirty="0" smtClean="0"/>
-              <a:t>Project Resources</a:t>
+              <a:t> Project Resources</a:t>
             </a:r>
             <a:endParaRPr lang="en-US" dirty="0"/>
           </a:p>
@@ -3637,11 +3603,77 @@
             </a:pPr>
             <a:r>
               <a:rPr lang="en-US" sz="2400" dirty="0" smtClean="0"/>
-              <a:t>	</a:t>
-            </a:r>
+              <a:t>		Tutorials (Video, Written, Diagrammed)</a:t>
+            </a:r>
+          </a:p>
+          <a:p>
+            <a:pPr>
+              <a:buNone/>
+            </a:pPr>
             <a:r>
               <a:rPr lang="en-US" sz="2400" dirty="0" smtClean="0"/>
-              <a:t>	Tutorials (Video, Written, Diagrammed)</a:t>
+              <a:t>		Documentation</a:t>
+            </a:r>
+          </a:p>
+          <a:p>
+            <a:pPr>
+              <a:buNone/>
+            </a:pPr>
+            <a:r>
+              <a:rPr lang="en-US" sz="2400" dirty="0" smtClean="0"/>
+              <a:t>			- Software Design Document</a:t>
+            </a:r>
+          </a:p>
+          <a:p>
+            <a:pPr>
+              <a:buNone/>
+            </a:pPr>
+            <a:r>
+              <a:rPr lang="en-US" sz="2400" dirty="0" smtClean="0"/>
+              <a:t>			- Our Journals</a:t>
+            </a:r>
+          </a:p>
+          <a:p>
+            <a:pPr>
+              <a:buNone/>
+            </a:pPr>
+            <a:r>
+              <a:rPr lang="en-US" sz="2400" dirty="0" smtClean="0"/>
+              <a:t>		Test Cases </a:t>
+            </a:r>
+          </a:p>
+          <a:p>
+            <a:pPr>
+              <a:buNone/>
+            </a:pPr>
+            <a:r>
+              <a:rPr lang="en-US" sz="2400" dirty="0" smtClean="0"/>
+              <a:t>		SQL and LDAP </a:t>
+            </a:r>
+            <a:r>
+              <a:rPr lang="en-US" sz="2400" dirty="0" err="1" smtClean="0"/>
+              <a:t>Config</a:t>
+            </a:r>
+            <a:r>
+              <a:rPr lang="en-US" sz="2400" dirty="0" smtClean="0"/>
+              <a:t> Dump Files</a:t>
+            </a:r>
+          </a:p>
+          <a:p>
+            <a:pPr>
+              <a:buNone/>
+            </a:pPr>
+            <a:r>
+              <a:rPr lang="en-US" sz="2400" dirty="0" smtClean="0"/>
+              <a:t>		Most importantly, our </a:t>
+            </a:r>
+            <a:r>
+              <a:rPr lang="en-US" sz="2400" dirty="0" err="1" smtClean="0"/>
+              <a:t>GitHub</a:t>
+            </a:r>
+            <a:r>
+              <a:rPr lang="en-US" sz="2400" dirty="0" smtClean="0"/>
+              <a:t> account!</a:t>
             </a:r>
           </a:p>
           <a:p>
@@ -3652,10 +3684,6 @@
               <a:rPr lang="en-US" sz="2400" dirty="0" smtClean="0"/>
               <a:t>	</a:t>
             </a:r>
-            <a:r>
-              <a:rPr lang="en-US" sz="2400" dirty="0" smtClean="0"/>
-              <a:t>	Documentation</a:t>
-            </a:r>
           </a:p>
           <a:p>
             <a:pPr>
@@ -3665,10 +3693,6 @@
               <a:rPr lang="en-US" sz="2400" dirty="0" smtClean="0"/>
               <a:t>	</a:t>
             </a:r>
-            <a:r>
-              <a:rPr lang="en-US" sz="2400" dirty="0" smtClean="0"/>
-              <a:t>		- Software Design Document</a:t>
-            </a:r>
           </a:p>
           <a:p>
             <a:pPr>
@@ -3678,10 +3702,6 @@
               <a:rPr lang="en-US" sz="2400" dirty="0" smtClean="0"/>
               <a:t>	</a:t>
             </a:r>
-            <a:r>
-              <a:rPr lang="en-US" sz="2400" dirty="0" smtClean="0"/>
-              <a:t>		- Our Journals</a:t>
-            </a:r>
           </a:p>
           <a:p>
             <a:pPr>
@@ -3691,10 +3711,6 @@
               <a:rPr lang="en-US" sz="2400" dirty="0" smtClean="0"/>
               <a:t>	</a:t>
             </a:r>
-            <a:r>
-              <a:rPr lang="en-US" sz="2400" dirty="0" smtClean="0"/>
-              <a:t>	Test Cases </a:t>
-            </a:r>
           </a:p>
           <a:p>
             <a:pPr>
@@ -3704,93 +3720,6 @@
               <a:rPr lang="en-US" sz="2400" dirty="0" smtClean="0"/>
               <a:t>	</a:t>
             </a:r>
-            <a:r>
-              <a:rPr lang="en-US" sz="2400" dirty="0" smtClean="0"/>
-              <a:t>	SQL and LDAP </a:t>
-            </a:r>
-            <a:r>
-              <a:rPr lang="en-US" sz="2400" dirty="0" err="1" smtClean="0"/>
-              <a:t>C</a:t>
-            </a:r>
-            <a:r>
-              <a:rPr lang="en-US" sz="2400" dirty="0" err="1" smtClean="0"/>
-              <a:t>onfig</a:t>
-            </a:r>
-            <a:r>
-              <a:rPr lang="en-US" sz="2400" dirty="0" smtClean="0"/>
-              <a:t> Dump Files</a:t>
-            </a:r>
-          </a:p>
-          <a:p>
-            <a:pPr>
-              <a:buNone/>
-            </a:pPr>
-            <a:r>
-              <a:rPr lang="en-US" sz="2400" dirty="0" smtClean="0"/>
-              <a:t>	</a:t>
-            </a:r>
-            <a:r>
-              <a:rPr lang="en-US" sz="2400" dirty="0" smtClean="0"/>
-              <a:t>	Most importantly, our </a:t>
-            </a:r>
-            <a:r>
-              <a:rPr lang="en-US" sz="2400" dirty="0" err="1" smtClean="0"/>
-              <a:t>GitHub</a:t>
-            </a:r>
-            <a:r>
-              <a:rPr lang="en-US" sz="2400" dirty="0" smtClean="0"/>
-              <a:t> account!</a:t>
-            </a:r>
-          </a:p>
-          <a:p>
-            <a:pPr>
-              <a:buNone/>
-            </a:pPr>
-            <a:r>
-              <a:rPr lang="en-US" sz="2400" dirty="0" smtClean="0"/>
-              <a:t>	</a:t>
-            </a:r>
-            <a:endParaRPr lang="en-US" sz="2400" dirty="0" smtClean="0"/>
-          </a:p>
-          <a:p>
-            <a:pPr>
-              <a:buNone/>
-            </a:pPr>
-            <a:r>
-              <a:rPr lang="en-US" sz="2400" dirty="0" smtClean="0"/>
-              <a:t>	</a:t>
-            </a:r>
-            <a:endParaRPr lang="en-US" sz="2400" dirty="0" smtClean="0"/>
-          </a:p>
-          <a:p>
-            <a:pPr>
-              <a:buNone/>
-            </a:pPr>
-            <a:r>
-              <a:rPr lang="en-US" sz="2400" dirty="0" smtClean="0"/>
-              <a:t>	</a:t>
-            </a:r>
-            <a:endParaRPr lang="en-US" sz="2400" dirty="0" smtClean="0"/>
-          </a:p>
-          <a:p>
-            <a:pPr>
-              <a:buNone/>
-            </a:pPr>
-            <a:r>
-              <a:rPr lang="en-US" sz="2400" dirty="0" smtClean="0"/>
-              <a:t>	</a:t>
-            </a:r>
-            <a:endParaRPr lang="en-US" sz="2400" dirty="0" smtClean="0"/>
-          </a:p>
-          <a:p>
-            <a:pPr>
-              <a:buNone/>
-            </a:pPr>
-            <a:r>
-              <a:rPr lang="en-US" sz="2400" dirty="0" smtClean="0"/>
-              <a:t>	</a:t>
-            </a:r>
-            <a:endParaRPr lang="en-US" sz="2400" dirty="0" smtClean="0"/>
           </a:p>
         </p:txBody>
       </p:sp>
@@ -4181,7 +4110,6 @@
               <a:rPr lang="en-US" dirty="0" smtClean="0"/>
               <a:t>Advisor:</a:t>
             </a:r>
-            <a:endParaRPr lang="en-US" dirty="0" smtClean="0"/>
           </a:p>
           <a:p>
             <a:pPr lvl="1">
@@ -4304,14 +4232,6 @@
               </a:rPr>
               <a:t>Idaho Department of Health and Welfare</a:t>
             </a:r>
-            <a:endParaRPr lang="en-US" dirty="0" smtClean="0">
-              <a:solidFill>
-                <a:schemeClr val="tx1">
-                  <a:lumMod val="65000"/>
-                  <a:lumOff val="35000"/>
-                </a:schemeClr>
-              </a:solidFill>
-            </a:endParaRPr>
           </a:p>
         </p:txBody>
       </p:sp>
@@ -4379,7 +4299,11 @@
           <a:bodyPr/>
           <a:lstStyle/>
           <a:p>
-            <a:endParaRPr lang="en-US"/>
+            <a:r>
+              <a:rPr lang="en-US" dirty="0" smtClean="0"/>
+              <a:t>Situation 1</a:t>
+            </a:r>
+            <a:endParaRPr lang="en-US" dirty="0"/>
           </a:p>
         </p:txBody>
       </p:sp>
@@ -4447,7 +4371,11 @@
           <a:bodyPr/>
           <a:lstStyle/>
           <a:p>
-            <a:endParaRPr lang="en-US"/>
+            <a:r>
+              <a:rPr lang="en-US" dirty="0" smtClean="0"/>
+              <a:t>Situation 1 (cont)</a:t>
+            </a:r>
+            <a:endParaRPr lang="en-US" dirty="0"/>
           </a:p>
         </p:txBody>
       </p:sp>
@@ -4515,6 +4443,14 @@
           <a:bodyPr/>
           <a:lstStyle/>
           <a:p>
+            <a:r>
+              <a:rPr lang="en-US" dirty="0" smtClean="0"/>
+              <a:t>Situation 1 </a:t>
+            </a:r>
+            <a:r>
+              <a:rPr lang="en-US" smtClean="0"/>
+              <a:t>(final)</a:t>
+            </a:r>
             <a:endParaRPr lang="en-US"/>
           </a:p>
         </p:txBody>
@@ -4596,19 +4532,7 @@
             </a:pPr>
             <a:r>
               <a:rPr lang="en-US" sz="1800" b="1" i="1" dirty="0" smtClean="0"/>
-              <a:t> "Develop </a:t>
-            </a:r>
-            <a:r>
-              <a:rPr lang="en-US" sz="1800" b="1" i="1" dirty="0" smtClean="0"/>
-              <a:t>a web-based Time, Accounting, and Reporting System for the </a:t>
-            </a:r>
-            <a:r>
-              <a:rPr lang="en-US" sz="1800" b="1" i="1" dirty="0" smtClean="0"/>
-              <a:t>Idaho Department </a:t>
-            </a:r>
-            <a:r>
-              <a:rPr lang="en-US" sz="1800" b="1" i="1" dirty="0" smtClean="0"/>
-              <a:t>of Health and Welfare"</a:t>
+              <a:t> "Develop a web-based Time, Accounting, and Reporting System for the Idaho Department of Health and Welfare"</a:t>
             </a:r>
             <a:r>
               <a:rPr lang="en-US" sz="1800" b="1" dirty="0" smtClean="0"/>
@@ -4632,15 +4556,7 @@
             </a:pPr>
             <a:r>
               <a:rPr lang="en-US" sz="1800" dirty="0" smtClean="0"/>
-              <a:t>	</a:t>
-            </a:r>
-            <a:r>
-              <a:rPr lang="en-US" sz="1800" dirty="0" smtClean="0"/>
-              <a:t>TARS </a:t>
-            </a:r>
-            <a:r>
-              <a:rPr lang="en-US" sz="1800" dirty="0" smtClean="0"/>
-              <a:t>is meant to </a:t>
+              <a:t>	TARS is meant to </a:t>
             </a:r>
             <a:r>
               <a:rPr lang="en-US" sz="1800" b="1" dirty="0" smtClean="0"/>
@@ -4683,19 +4599,7 @@
             </a:br>
             <a:r>
               <a:rPr lang="en-US" sz="1800" dirty="0" smtClean="0"/>
-              <a:t>	Mariner </a:t>
-            </a:r>
-            <a:r>
-              <a:rPr lang="en-US" sz="1800" dirty="0" smtClean="0"/>
-              <a:t>currently requires an exorbitant license fee. TARS is being built and </a:t>
-            </a:r>
-            <a:r>
-              <a:rPr lang="en-US" sz="1800" dirty="0" smtClean="0"/>
-              <a:t>	documented publically; </a:t>
-            </a:r>
-            <a:r>
-              <a:rPr lang="en-US" sz="1800" dirty="0" smtClean="0"/>
-              <a:t>there will be </a:t>
+              <a:t>	Mariner currently requires an exorbitant license fee. TARS is being built and 	documented publically; there will be </a:t>
             </a:r>
             <a:r>
               <a:rPr lang="en-US" sz="1800" b="1" dirty="0" smtClean="0"/>

--- a/doc/final_presentation.pptx
+++ b/doc/final_presentation.pptx
@@ -3418,16 +3418,6 @@
             </a:pPr>
             <a:endParaRPr lang="en-US" sz="2000" dirty="0" smtClean="0"/>
           </a:p>
-          <a:p>
-            <a:pPr>
-              <a:buNone/>
-            </a:pPr>
-            <a:r>
-              <a:rPr lang="en-US" sz="2000" dirty="0" smtClean="0"/>
-              <a:t>	Pictures will go here. Maybe the next slide as well.</a:t>
-            </a:r>
-            <a:endParaRPr lang="en-US" sz="2000" dirty="0"/>
-          </a:p>
         </p:txBody>
       </p:sp>
     </p:spTree>
@@ -3494,11 +3484,9 @@
           <a:bodyPr/>
           <a:lstStyle/>
           <a:p>
-            <a:pPr lvl="1"/>
-            <a:r>
-              <a:rPr lang="en-US" dirty="0" smtClean="0"/>
-              <a:t>Screenshots</a:t>
-            </a:r>
+            <a:pPr lvl="1">
+              <a:buNone/>
+            </a:pPr>
             <a:endParaRPr lang="en-US" dirty="0"/>
           </a:p>
         </p:txBody>
@@ -3887,7 +3875,7 @@
           <a:p>
             <a:r>
               <a:rPr lang="en-US" dirty="0" smtClean="0"/>
-              <a:t> Team Picture goes here</a:t>
+              <a:t> </a:t>
             </a:r>
             <a:endParaRPr lang="en-US" dirty="0"/>
           </a:p>
@@ -3905,7 +3893,7 @@
         </p:nvSpPr>
         <p:spPr>
           <a:xfrm>
-            <a:off x="536575" y="2906712"/>
+            <a:off x="536575" y="3211512"/>
             <a:ext cx="4040188" cy="3951288"/>
           </a:xfrm>
         </p:spPr>
@@ -4089,7 +4077,7 @@
         </p:nvSpPr>
         <p:spPr>
           <a:xfrm>
-            <a:off x="4724400" y="2906712"/>
+            <a:off x="4724400" y="3211512"/>
             <a:ext cx="4041775" cy="3951288"/>
           </a:xfrm>
         </p:spPr>
@@ -4235,6 +4223,30 @@
           </a:p>
         </p:txBody>
       </p:sp>
+      <p:pic>
+        <p:nvPicPr>
+          <p:cNvPr id="7" name="Picture 6" descr="IMAG0090.jpg"/>
+          <p:cNvPicPr>
+            <a:picLocks noChangeAspect="1"/>
+          </p:cNvPicPr>
+          <p:nvPr/>
+        </p:nvPicPr>
+        <p:blipFill>
+          <a:blip r:embed="rId2" cstate="print"/>
+          <a:stretch>
+            <a:fillRect/>
+          </a:stretch>
+        </p:blipFill>
+        <p:spPr>
+          <a:xfrm>
+            <a:off x="3276600" y="609600"/>
+            <a:ext cx="5638800" cy="3372224"/>
+          </a:xfrm>
+          <a:prstGeom prst="rect">
+            <a:avLst/>
+          </a:prstGeom>
+        </p:spPr>
+      </p:pic>
     </p:spTree>
   </p:cSld>
   <p:clrMapOvr>
